--- a/配布資料/第9回公開ワークショップ.pptx
+++ b/配布資料/第9回公開ワークショップ.pptx
@@ -9522,11 +9522,7 @@
           <a:p>
             <a:r>
               <a:rPr kumimoji="1" lang="ja-JP" altLang="en-US" dirty="0" smtClean="0"/>
-              <a:t>ブランチ</a:t>
-            </a:r>
-            <a:r>
-              <a:rPr kumimoji="1" lang="ja-JP" altLang="en-US" dirty="0" smtClean="0"/>
-              <a:t>同士</a:t>
+              <a:t>ブランチ同士</a:t>
             </a:r>
             <a:r>
               <a:rPr lang="ja-JP" altLang="en-US" dirty="0" smtClean="0"/>
@@ -9534,11 +9530,7 @@
             </a:r>
             <a:r>
               <a:rPr kumimoji="1" lang="ja-JP" altLang="en-US" dirty="0" smtClean="0"/>
-              <a:t>を</a:t>
-            </a:r>
-            <a:r>
-              <a:rPr kumimoji="1" lang="ja-JP" altLang="en-US" dirty="0" smtClean="0"/>
-              <a:t>結合させる</a:t>
+              <a:t>を結合させる</a:t>
             </a:r>
             <a:endParaRPr kumimoji="1" lang="ja-JP" altLang="en-US" dirty="0"/>
           </a:p>
@@ -10562,11 +10554,7 @@
           <a:p>
             <a:r>
               <a:rPr lang="ja-JP" altLang="en-US" dirty="0" smtClean="0"/>
-              <a:t>個人</a:t>
-            </a:r>
-            <a:r>
-              <a:rPr lang="ja-JP" altLang="en-US" dirty="0" smtClean="0"/>
-              <a:t>・組織でアカウント作成可能</a:t>
+              <a:t>個人・組織でアカウント作成可能</a:t>
             </a:r>
             <a:endParaRPr lang="en-US" altLang="ja-JP" dirty="0"/>
           </a:p>
@@ -11657,11 +11645,7 @@
             </a:r>
             <a:r>
               <a:rPr lang="ja-JP" altLang="en-US" dirty="0" smtClean="0"/>
-              <a:t>という</a:t>
-            </a:r>
-            <a:r>
-              <a:rPr lang="ja-JP" altLang="en-US" dirty="0" smtClean="0"/>
-              <a:t>ブランチを作成する事で、置かれたファイルをウェブサイトとして表示できる。</a:t>
+              <a:t>というブランチを作成する事で、置かれたファイルをウェブサイトとして表示できる。</a:t>
             </a:r>
             <a:endParaRPr lang="en-US" altLang="ja-JP" dirty="0" smtClean="0"/>
           </a:p>
@@ -12188,7 +12172,28 @@
           <a:p>
             <a:r>
               <a:rPr kumimoji="1" lang="ja-JP" altLang="en-US" dirty="0" smtClean="0"/>
-              <a:t>名前：梶田成祥</a:t>
+              <a:t>名前：梶田成</a:t>
+            </a:r>
+            <a:r>
+              <a:rPr kumimoji="1" lang="ja-JP" altLang="en-US" dirty="0" smtClean="0"/>
+              <a:t>祥</a:t>
+            </a:r>
+            <a:endParaRPr kumimoji="1" lang="en-US" altLang="ja-JP" dirty="0" smtClean="0"/>
+          </a:p>
+          <a:p>
+            <a:r>
+              <a:rPr lang="ja-JP" altLang="en-US" dirty="0" smtClean="0"/>
+              <a:t>出身：明石工業高等専門学校　電気情報工学科</a:t>
+            </a:r>
+            <a:endParaRPr lang="en-US" altLang="ja-JP" dirty="0" smtClean="0"/>
+          </a:p>
+          <a:p>
+            <a:endParaRPr kumimoji="1" lang="en-US" altLang="ja-JP" dirty="0"/>
+          </a:p>
+          <a:p>
+            <a:r>
+              <a:rPr lang="ja-JP" altLang="en-US" smtClean="0"/>
+              <a:t>以下略）</a:t>
             </a:r>
             <a:endParaRPr kumimoji="1" lang="en-US" altLang="ja-JP" dirty="0" smtClean="0"/>
           </a:p>
